--- a/ppt 16-9/1528.祢爱永不变.pptx
+++ b/ppt 16-9/1528.祢爱永不变.pptx
@@ -129,7 +129,7 @@
           <p:cNvPr id="2" name="标题 1">
             <a:extLst>
               <a:ext uri="{FF2B5EF4-FFF2-40B4-BE49-F238E27FC236}">
-                <a16:creationId xmlns:a16="http://schemas.microsoft.com/office/drawing/2014/main" id="{D1D80063-3134-22C4-E644-76CFD75B4F64}"/>
+                <a16:creationId xmlns:a16="http://schemas.microsoft.com/office/drawing/2014/main" id="{F326D619-0034-C97B-4353-EC6A2203CEEA}"/>
               </a:ext>
             </a:extLst>
           </p:cNvPr>
@@ -166,7 +166,7 @@
           <p:cNvPr id="3" name="副标题 2">
             <a:extLst>
               <a:ext uri="{FF2B5EF4-FFF2-40B4-BE49-F238E27FC236}">
-                <a16:creationId xmlns:a16="http://schemas.microsoft.com/office/drawing/2014/main" id="{AEDC75D3-02A9-74D7-2C27-FD7998C5C48B}"/>
+                <a16:creationId xmlns:a16="http://schemas.microsoft.com/office/drawing/2014/main" id="{EAA9C98A-9A0E-3194-846F-A1D900095A90}"/>
               </a:ext>
             </a:extLst>
           </p:cNvPr>
@@ -236,7 +236,7 @@
           <p:cNvPr id="4" name="日期占位符 3">
             <a:extLst>
               <a:ext uri="{FF2B5EF4-FFF2-40B4-BE49-F238E27FC236}">
-                <a16:creationId xmlns:a16="http://schemas.microsoft.com/office/drawing/2014/main" id="{BB4ACB0A-3A20-3876-4C47-615E2D61331F}"/>
+                <a16:creationId xmlns:a16="http://schemas.microsoft.com/office/drawing/2014/main" id="{C92F7414-2FEF-EFD0-0289-C6653EAD65E0}"/>
               </a:ext>
             </a:extLst>
           </p:cNvPr>
@@ -252,7 +252,7 @@
           <a:bodyPr/>
           <a:lstStyle/>
           <a:p>
-            <a:fld id="{0D0F0EA8-78D6-47C5-8AF2-38A7C576F273}" type="datetimeFigureOut">
+            <a:fld id="{4EFCC95B-4DD9-4D08-8B5C-C3A54C518323}" type="datetimeFigureOut">
               <a:rPr lang="zh-CN" altLang="en-US" smtClean="0"/>
               <a:t>2024/3/10</a:t>
             </a:fld>
@@ -265,7 +265,7 @@
           <p:cNvPr id="5" name="页脚占位符 4">
             <a:extLst>
               <a:ext uri="{FF2B5EF4-FFF2-40B4-BE49-F238E27FC236}">
-                <a16:creationId xmlns:a16="http://schemas.microsoft.com/office/drawing/2014/main" id="{6E363A89-BE9B-204D-08BB-48B573D5669A}"/>
+                <a16:creationId xmlns:a16="http://schemas.microsoft.com/office/drawing/2014/main" id="{026E453D-6F22-B279-D17F-BEA290F02D8C}"/>
               </a:ext>
             </a:extLst>
           </p:cNvPr>
@@ -290,7 +290,7 @@
           <p:cNvPr id="6" name="灯片编号占位符 5">
             <a:extLst>
               <a:ext uri="{FF2B5EF4-FFF2-40B4-BE49-F238E27FC236}">
-                <a16:creationId xmlns:a16="http://schemas.microsoft.com/office/drawing/2014/main" id="{6F53A21A-65FA-C1D3-0AEC-D51FB87C1ECD}"/>
+                <a16:creationId xmlns:a16="http://schemas.microsoft.com/office/drawing/2014/main" id="{7CAFC9B9-9CA1-1602-1CC8-2B5D96980D75}"/>
               </a:ext>
             </a:extLst>
           </p:cNvPr>
@@ -306,7 +306,7 @@
           <a:bodyPr/>
           <a:lstStyle/>
           <a:p>
-            <a:fld id="{97AF6D12-0BA0-4F1F-9A5C-2A74BF05D0CC}" type="slidenum">
+            <a:fld id="{CD1DA33C-099E-4D2E-941E-11E67E06EB1A}" type="slidenum">
               <a:rPr lang="zh-CN" altLang="en-US" smtClean="0"/>
               <a:t>‹#›</a:t>
             </a:fld>
@@ -317,7 +317,7 @@
     </p:spTree>
     <p:extLst>
       <p:ext uri="{BB962C8B-B14F-4D97-AF65-F5344CB8AC3E}">
-        <p14:creationId xmlns:p14="http://schemas.microsoft.com/office/powerpoint/2010/main" val="2332140329"/>
+        <p14:creationId xmlns:p14="http://schemas.microsoft.com/office/powerpoint/2010/main" val="4106665874"/>
       </p:ext>
     </p:extLst>
   </p:cSld>
@@ -349,7 +349,7 @@
           <p:cNvPr id="2" name="标题 1">
             <a:extLst>
               <a:ext uri="{FF2B5EF4-FFF2-40B4-BE49-F238E27FC236}">
-                <a16:creationId xmlns:a16="http://schemas.microsoft.com/office/drawing/2014/main" id="{4AF3C79E-874D-D941-E8B6-0ABA6B0FDE1D}"/>
+                <a16:creationId xmlns:a16="http://schemas.microsoft.com/office/drawing/2014/main" id="{1F057A60-BA79-936B-8804-6CA8D579672B}"/>
               </a:ext>
             </a:extLst>
           </p:cNvPr>
@@ -377,7 +377,7 @@
           <p:cNvPr id="3" name="竖排文字占位符 2">
             <a:extLst>
               <a:ext uri="{FF2B5EF4-FFF2-40B4-BE49-F238E27FC236}">
-                <a16:creationId xmlns:a16="http://schemas.microsoft.com/office/drawing/2014/main" id="{C9C7CF58-0DAB-4BFB-20B2-8867F36371A1}"/>
+                <a16:creationId xmlns:a16="http://schemas.microsoft.com/office/drawing/2014/main" id="{90A0E7FE-9157-0AFB-C1A3-ED1C7E8D51F7}"/>
               </a:ext>
             </a:extLst>
           </p:cNvPr>
@@ -434,7 +434,7 @@
           <p:cNvPr id="4" name="日期占位符 3">
             <a:extLst>
               <a:ext uri="{FF2B5EF4-FFF2-40B4-BE49-F238E27FC236}">
-                <a16:creationId xmlns:a16="http://schemas.microsoft.com/office/drawing/2014/main" id="{F79B94CA-BB0E-D6D6-56F6-AD71540EF522}"/>
+                <a16:creationId xmlns:a16="http://schemas.microsoft.com/office/drawing/2014/main" id="{2F898898-5F08-8F7D-AB15-F84C87BEB64E}"/>
               </a:ext>
             </a:extLst>
           </p:cNvPr>
@@ -450,7 +450,7 @@
           <a:bodyPr/>
           <a:lstStyle/>
           <a:p>
-            <a:fld id="{0D0F0EA8-78D6-47C5-8AF2-38A7C576F273}" type="datetimeFigureOut">
+            <a:fld id="{4EFCC95B-4DD9-4D08-8B5C-C3A54C518323}" type="datetimeFigureOut">
               <a:rPr lang="zh-CN" altLang="en-US" smtClean="0"/>
               <a:t>2024/3/10</a:t>
             </a:fld>
@@ -463,7 +463,7 @@
           <p:cNvPr id="5" name="页脚占位符 4">
             <a:extLst>
               <a:ext uri="{FF2B5EF4-FFF2-40B4-BE49-F238E27FC236}">
-                <a16:creationId xmlns:a16="http://schemas.microsoft.com/office/drawing/2014/main" id="{8562C2C0-E4FF-F23F-2E28-E3EE44D3CC37}"/>
+                <a16:creationId xmlns:a16="http://schemas.microsoft.com/office/drawing/2014/main" id="{C69B4A87-0B79-E2DA-800F-2FF786BD89B2}"/>
               </a:ext>
             </a:extLst>
           </p:cNvPr>
@@ -488,7 +488,7 @@
           <p:cNvPr id="6" name="灯片编号占位符 5">
             <a:extLst>
               <a:ext uri="{FF2B5EF4-FFF2-40B4-BE49-F238E27FC236}">
-                <a16:creationId xmlns:a16="http://schemas.microsoft.com/office/drawing/2014/main" id="{9C7B0E2B-BDB5-7F3E-E3DF-F0B7DD5F8E81}"/>
+                <a16:creationId xmlns:a16="http://schemas.microsoft.com/office/drawing/2014/main" id="{F916D42F-2488-50EE-FDB5-9047263427A7}"/>
               </a:ext>
             </a:extLst>
           </p:cNvPr>
@@ -504,7 +504,7 @@
           <a:bodyPr/>
           <a:lstStyle/>
           <a:p>
-            <a:fld id="{97AF6D12-0BA0-4F1F-9A5C-2A74BF05D0CC}" type="slidenum">
+            <a:fld id="{CD1DA33C-099E-4D2E-941E-11E67E06EB1A}" type="slidenum">
               <a:rPr lang="zh-CN" altLang="en-US" smtClean="0"/>
               <a:t>‹#›</a:t>
             </a:fld>
@@ -515,7 +515,7 @@
     </p:spTree>
     <p:extLst>
       <p:ext uri="{BB962C8B-B14F-4D97-AF65-F5344CB8AC3E}">
-        <p14:creationId xmlns:p14="http://schemas.microsoft.com/office/powerpoint/2010/main" val="4035845985"/>
+        <p14:creationId xmlns:p14="http://schemas.microsoft.com/office/powerpoint/2010/main" val="260184408"/>
       </p:ext>
     </p:extLst>
   </p:cSld>
@@ -547,7 +547,7 @@
           <p:cNvPr id="2" name="竖排标题 1">
             <a:extLst>
               <a:ext uri="{FF2B5EF4-FFF2-40B4-BE49-F238E27FC236}">
-                <a16:creationId xmlns:a16="http://schemas.microsoft.com/office/drawing/2014/main" id="{C2E8F5D7-4821-4AC5-113D-DD615EB2B411}"/>
+                <a16:creationId xmlns:a16="http://schemas.microsoft.com/office/drawing/2014/main" id="{48110D6D-E8CB-4F3C-4703-CF8E720567C7}"/>
               </a:ext>
             </a:extLst>
           </p:cNvPr>
@@ -580,7 +580,7 @@
           <p:cNvPr id="3" name="竖排文字占位符 2">
             <a:extLst>
               <a:ext uri="{FF2B5EF4-FFF2-40B4-BE49-F238E27FC236}">
-                <a16:creationId xmlns:a16="http://schemas.microsoft.com/office/drawing/2014/main" id="{1EB84316-6F9B-232B-EEE3-DD42D83A19D3}"/>
+                <a16:creationId xmlns:a16="http://schemas.microsoft.com/office/drawing/2014/main" id="{1C4B8290-073A-677E-0211-81010BAF2F99}"/>
               </a:ext>
             </a:extLst>
           </p:cNvPr>
@@ -642,7 +642,7 @@
           <p:cNvPr id="4" name="日期占位符 3">
             <a:extLst>
               <a:ext uri="{FF2B5EF4-FFF2-40B4-BE49-F238E27FC236}">
-                <a16:creationId xmlns:a16="http://schemas.microsoft.com/office/drawing/2014/main" id="{5FA572BE-3BE0-1203-2D65-A27D52BDD6BC}"/>
+                <a16:creationId xmlns:a16="http://schemas.microsoft.com/office/drawing/2014/main" id="{61E3AF6A-1712-200F-1DEC-C219F679E149}"/>
               </a:ext>
             </a:extLst>
           </p:cNvPr>
@@ -658,7 +658,7 @@
           <a:bodyPr/>
           <a:lstStyle/>
           <a:p>
-            <a:fld id="{0D0F0EA8-78D6-47C5-8AF2-38A7C576F273}" type="datetimeFigureOut">
+            <a:fld id="{4EFCC95B-4DD9-4D08-8B5C-C3A54C518323}" type="datetimeFigureOut">
               <a:rPr lang="zh-CN" altLang="en-US" smtClean="0"/>
               <a:t>2024/3/10</a:t>
             </a:fld>
@@ -671,7 +671,7 @@
           <p:cNvPr id="5" name="页脚占位符 4">
             <a:extLst>
               <a:ext uri="{FF2B5EF4-FFF2-40B4-BE49-F238E27FC236}">
-                <a16:creationId xmlns:a16="http://schemas.microsoft.com/office/drawing/2014/main" id="{75404C1F-F22E-FEF9-2043-140B91102822}"/>
+                <a16:creationId xmlns:a16="http://schemas.microsoft.com/office/drawing/2014/main" id="{705E1627-407D-20AA-E104-EF6B5F7A26A5}"/>
               </a:ext>
             </a:extLst>
           </p:cNvPr>
@@ -696,7 +696,7 @@
           <p:cNvPr id="6" name="灯片编号占位符 5">
             <a:extLst>
               <a:ext uri="{FF2B5EF4-FFF2-40B4-BE49-F238E27FC236}">
-                <a16:creationId xmlns:a16="http://schemas.microsoft.com/office/drawing/2014/main" id="{B9FCDD7E-934D-D9BA-ABA9-82D60E3DD48E}"/>
+                <a16:creationId xmlns:a16="http://schemas.microsoft.com/office/drawing/2014/main" id="{D2E812CF-4D3C-7B42-631C-4D25C56675D5}"/>
               </a:ext>
             </a:extLst>
           </p:cNvPr>
@@ -712,7 +712,7 @@
           <a:bodyPr/>
           <a:lstStyle/>
           <a:p>
-            <a:fld id="{97AF6D12-0BA0-4F1F-9A5C-2A74BF05D0CC}" type="slidenum">
+            <a:fld id="{CD1DA33C-099E-4D2E-941E-11E67E06EB1A}" type="slidenum">
               <a:rPr lang="zh-CN" altLang="en-US" smtClean="0"/>
               <a:t>‹#›</a:t>
             </a:fld>
@@ -723,7 +723,7 @@
     </p:spTree>
     <p:extLst>
       <p:ext uri="{BB962C8B-B14F-4D97-AF65-F5344CB8AC3E}">
-        <p14:creationId xmlns:p14="http://schemas.microsoft.com/office/powerpoint/2010/main" val="1548634684"/>
+        <p14:creationId xmlns:p14="http://schemas.microsoft.com/office/powerpoint/2010/main" val="1367510461"/>
       </p:ext>
     </p:extLst>
   </p:cSld>
@@ -755,7 +755,7 @@
           <p:cNvPr id="2" name="标题 1">
             <a:extLst>
               <a:ext uri="{FF2B5EF4-FFF2-40B4-BE49-F238E27FC236}">
-                <a16:creationId xmlns:a16="http://schemas.microsoft.com/office/drawing/2014/main" id="{5C46CFA3-9541-E8C8-CE99-C539F8B0B2D0}"/>
+                <a16:creationId xmlns:a16="http://schemas.microsoft.com/office/drawing/2014/main" id="{FD197D48-83FF-C24F-8675-EE6279C2DB2D}"/>
               </a:ext>
             </a:extLst>
           </p:cNvPr>
@@ -783,7 +783,7 @@
           <p:cNvPr id="3" name="内容占位符 2">
             <a:extLst>
               <a:ext uri="{FF2B5EF4-FFF2-40B4-BE49-F238E27FC236}">
-                <a16:creationId xmlns:a16="http://schemas.microsoft.com/office/drawing/2014/main" id="{A1596BAA-58AF-9AA2-4DEC-8D1533928BE6}"/>
+                <a16:creationId xmlns:a16="http://schemas.microsoft.com/office/drawing/2014/main" id="{9408FAC0-75BE-341F-F4E8-525AE1FF6C16}"/>
               </a:ext>
             </a:extLst>
           </p:cNvPr>
@@ -840,7 +840,7 @@
           <p:cNvPr id="4" name="日期占位符 3">
             <a:extLst>
               <a:ext uri="{FF2B5EF4-FFF2-40B4-BE49-F238E27FC236}">
-                <a16:creationId xmlns:a16="http://schemas.microsoft.com/office/drawing/2014/main" id="{BFC873EB-98F5-1582-984E-3DBFF9C94506}"/>
+                <a16:creationId xmlns:a16="http://schemas.microsoft.com/office/drawing/2014/main" id="{2E7EFE88-006D-8140-5F88-8F84619C4844}"/>
               </a:ext>
             </a:extLst>
           </p:cNvPr>
@@ -856,7 +856,7 @@
           <a:bodyPr/>
           <a:lstStyle/>
           <a:p>
-            <a:fld id="{0D0F0EA8-78D6-47C5-8AF2-38A7C576F273}" type="datetimeFigureOut">
+            <a:fld id="{4EFCC95B-4DD9-4D08-8B5C-C3A54C518323}" type="datetimeFigureOut">
               <a:rPr lang="zh-CN" altLang="en-US" smtClean="0"/>
               <a:t>2024/3/10</a:t>
             </a:fld>
@@ -869,7 +869,7 @@
           <p:cNvPr id="5" name="页脚占位符 4">
             <a:extLst>
               <a:ext uri="{FF2B5EF4-FFF2-40B4-BE49-F238E27FC236}">
-                <a16:creationId xmlns:a16="http://schemas.microsoft.com/office/drawing/2014/main" id="{3DDF3883-58C2-572E-AD29-DAA2BEDC4796}"/>
+                <a16:creationId xmlns:a16="http://schemas.microsoft.com/office/drawing/2014/main" id="{C459FC62-ACA6-38E3-0179-1A4865D01560}"/>
               </a:ext>
             </a:extLst>
           </p:cNvPr>
@@ -894,7 +894,7 @@
           <p:cNvPr id="6" name="灯片编号占位符 5">
             <a:extLst>
               <a:ext uri="{FF2B5EF4-FFF2-40B4-BE49-F238E27FC236}">
-                <a16:creationId xmlns:a16="http://schemas.microsoft.com/office/drawing/2014/main" id="{C7D697EE-D33F-295B-AFB7-B24F6FD351E7}"/>
+                <a16:creationId xmlns:a16="http://schemas.microsoft.com/office/drawing/2014/main" id="{3A7061F0-5290-F4FF-234C-FC965AC5CCDC}"/>
               </a:ext>
             </a:extLst>
           </p:cNvPr>
@@ -910,7 +910,7 @@
           <a:bodyPr/>
           <a:lstStyle/>
           <a:p>
-            <a:fld id="{97AF6D12-0BA0-4F1F-9A5C-2A74BF05D0CC}" type="slidenum">
+            <a:fld id="{CD1DA33C-099E-4D2E-941E-11E67E06EB1A}" type="slidenum">
               <a:rPr lang="zh-CN" altLang="en-US" smtClean="0"/>
               <a:t>‹#›</a:t>
             </a:fld>
@@ -921,7 +921,7 @@
     </p:spTree>
     <p:extLst>
       <p:ext uri="{BB962C8B-B14F-4D97-AF65-F5344CB8AC3E}">
-        <p14:creationId xmlns:p14="http://schemas.microsoft.com/office/powerpoint/2010/main" val="2052243090"/>
+        <p14:creationId xmlns:p14="http://schemas.microsoft.com/office/powerpoint/2010/main" val="3257377050"/>
       </p:ext>
     </p:extLst>
   </p:cSld>
@@ -953,7 +953,7 @@
           <p:cNvPr id="2" name="标题 1">
             <a:extLst>
               <a:ext uri="{FF2B5EF4-FFF2-40B4-BE49-F238E27FC236}">
-                <a16:creationId xmlns:a16="http://schemas.microsoft.com/office/drawing/2014/main" id="{143FF412-82CC-208B-F80D-6DF11F0571E7}"/>
+                <a16:creationId xmlns:a16="http://schemas.microsoft.com/office/drawing/2014/main" id="{BE49D485-7734-C4D0-009A-7B60AA6CDCA0}"/>
               </a:ext>
             </a:extLst>
           </p:cNvPr>
@@ -990,7 +990,7 @@
           <p:cNvPr id="3" name="文本占位符 2">
             <a:extLst>
               <a:ext uri="{FF2B5EF4-FFF2-40B4-BE49-F238E27FC236}">
-                <a16:creationId xmlns:a16="http://schemas.microsoft.com/office/drawing/2014/main" id="{DFD9C1F9-DB44-1861-0A35-480AEFCACE11}"/>
+                <a16:creationId xmlns:a16="http://schemas.microsoft.com/office/drawing/2014/main" id="{64902B15-E0B5-9ABE-2D51-8764692FD3FF}"/>
               </a:ext>
             </a:extLst>
           </p:cNvPr>
@@ -1115,7 +1115,7 @@
           <p:cNvPr id="4" name="日期占位符 3">
             <a:extLst>
               <a:ext uri="{FF2B5EF4-FFF2-40B4-BE49-F238E27FC236}">
-                <a16:creationId xmlns:a16="http://schemas.microsoft.com/office/drawing/2014/main" id="{96F22514-FB61-1F43-3C24-27FEF2A99793}"/>
+                <a16:creationId xmlns:a16="http://schemas.microsoft.com/office/drawing/2014/main" id="{28B8AAE5-5541-D48D-46C2-3A210E0FF2E0}"/>
               </a:ext>
             </a:extLst>
           </p:cNvPr>
@@ -1131,7 +1131,7 @@
           <a:bodyPr/>
           <a:lstStyle/>
           <a:p>
-            <a:fld id="{0D0F0EA8-78D6-47C5-8AF2-38A7C576F273}" type="datetimeFigureOut">
+            <a:fld id="{4EFCC95B-4DD9-4D08-8B5C-C3A54C518323}" type="datetimeFigureOut">
               <a:rPr lang="zh-CN" altLang="en-US" smtClean="0"/>
               <a:t>2024/3/10</a:t>
             </a:fld>
@@ -1144,7 +1144,7 @@
           <p:cNvPr id="5" name="页脚占位符 4">
             <a:extLst>
               <a:ext uri="{FF2B5EF4-FFF2-40B4-BE49-F238E27FC236}">
-                <a16:creationId xmlns:a16="http://schemas.microsoft.com/office/drawing/2014/main" id="{579BACA4-7E7C-6618-2C35-ED28648346F4}"/>
+                <a16:creationId xmlns:a16="http://schemas.microsoft.com/office/drawing/2014/main" id="{495006E4-F426-E7C0-8D47-920588BB7312}"/>
               </a:ext>
             </a:extLst>
           </p:cNvPr>
@@ -1169,7 +1169,7 @@
           <p:cNvPr id="6" name="灯片编号占位符 5">
             <a:extLst>
               <a:ext uri="{FF2B5EF4-FFF2-40B4-BE49-F238E27FC236}">
-                <a16:creationId xmlns:a16="http://schemas.microsoft.com/office/drawing/2014/main" id="{13E516A2-6695-F1F4-7B0D-2EDC6D2516B3}"/>
+                <a16:creationId xmlns:a16="http://schemas.microsoft.com/office/drawing/2014/main" id="{79CE7684-AD0C-F0F4-84A8-E9727A05CE16}"/>
               </a:ext>
             </a:extLst>
           </p:cNvPr>
@@ -1185,7 +1185,7 @@
           <a:bodyPr/>
           <a:lstStyle/>
           <a:p>
-            <a:fld id="{97AF6D12-0BA0-4F1F-9A5C-2A74BF05D0CC}" type="slidenum">
+            <a:fld id="{CD1DA33C-099E-4D2E-941E-11E67E06EB1A}" type="slidenum">
               <a:rPr lang="zh-CN" altLang="en-US" smtClean="0"/>
               <a:t>‹#›</a:t>
             </a:fld>
@@ -1196,7 +1196,7 @@
     </p:spTree>
     <p:extLst>
       <p:ext uri="{BB962C8B-B14F-4D97-AF65-F5344CB8AC3E}">
-        <p14:creationId xmlns:p14="http://schemas.microsoft.com/office/powerpoint/2010/main" val="1675929904"/>
+        <p14:creationId xmlns:p14="http://schemas.microsoft.com/office/powerpoint/2010/main" val="2102305928"/>
       </p:ext>
     </p:extLst>
   </p:cSld>
@@ -1228,7 +1228,7 @@
           <p:cNvPr id="2" name="标题 1">
             <a:extLst>
               <a:ext uri="{FF2B5EF4-FFF2-40B4-BE49-F238E27FC236}">
-                <a16:creationId xmlns:a16="http://schemas.microsoft.com/office/drawing/2014/main" id="{0F9098B0-F2FE-872C-7606-8FC7AF1C3780}"/>
+                <a16:creationId xmlns:a16="http://schemas.microsoft.com/office/drawing/2014/main" id="{9A9445F3-0331-62B1-4005-68C5EE14151C}"/>
               </a:ext>
             </a:extLst>
           </p:cNvPr>
@@ -1256,7 +1256,7 @@
           <p:cNvPr id="3" name="内容占位符 2">
             <a:extLst>
               <a:ext uri="{FF2B5EF4-FFF2-40B4-BE49-F238E27FC236}">
-                <a16:creationId xmlns:a16="http://schemas.microsoft.com/office/drawing/2014/main" id="{2558512B-E50F-489B-7246-13977468CC49}"/>
+                <a16:creationId xmlns:a16="http://schemas.microsoft.com/office/drawing/2014/main" id="{F40FB102-636D-59D7-466E-E815B7EBCAD5}"/>
               </a:ext>
             </a:extLst>
           </p:cNvPr>
@@ -1318,7 +1318,7 @@
           <p:cNvPr id="4" name="内容占位符 3">
             <a:extLst>
               <a:ext uri="{FF2B5EF4-FFF2-40B4-BE49-F238E27FC236}">
-                <a16:creationId xmlns:a16="http://schemas.microsoft.com/office/drawing/2014/main" id="{A84BB315-2A4D-21B5-2FBD-340501399D6C}"/>
+                <a16:creationId xmlns:a16="http://schemas.microsoft.com/office/drawing/2014/main" id="{3506BEEF-F55C-70F6-2469-D404A7FEC014}"/>
               </a:ext>
             </a:extLst>
           </p:cNvPr>
@@ -1380,7 +1380,7 @@
           <p:cNvPr id="5" name="日期占位符 4">
             <a:extLst>
               <a:ext uri="{FF2B5EF4-FFF2-40B4-BE49-F238E27FC236}">
-                <a16:creationId xmlns:a16="http://schemas.microsoft.com/office/drawing/2014/main" id="{80C5E38C-1F21-8A29-210D-D3C068D4324E}"/>
+                <a16:creationId xmlns:a16="http://schemas.microsoft.com/office/drawing/2014/main" id="{F9F0D484-03A0-32BD-5B3E-832E344C2957}"/>
               </a:ext>
             </a:extLst>
           </p:cNvPr>
@@ -1396,7 +1396,7 @@
           <a:bodyPr/>
           <a:lstStyle/>
           <a:p>
-            <a:fld id="{0D0F0EA8-78D6-47C5-8AF2-38A7C576F273}" type="datetimeFigureOut">
+            <a:fld id="{4EFCC95B-4DD9-4D08-8B5C-C3A54C518323}" type="datetimeFigureOut">
               <a:rPr lang="zh-CN" altLang="en-US" smtClean="0"/>
               <a:t>2024/3/10</a:t>
             </a:fld>
@@ -1409,7 +1409,7 @@
           <p:cNvPr id="6" name="页脚占位符 5">
             <a:extLst>
               <a:ext uri="{FF2B5EF4-FFF2-40B4-BE49-F238E27FC236}">
-                <a16:creationId xmlns:a16="http://schemas.microsoft.com/office/drawing/2014/main" id="{00BFE604-CBFB-5C2B-3A54-9691681584B6}"/>
+                <a16:creationId xmlns:a16="http://schemas.microsoft.com/office/drawing/2014/main" id="{BC7376CC-7124-AE2D-5FB5-6FD1A21FAA78}"/>
               </a:ext>
             </a:extLst>
           </p:cNvPr>
@@ -1434,7 +1434,7 @@
           <p:cNvPr id="7" name="灯片编号占位符 6">
             <a:extLst>
               <a:ext uri="{FF2B5EF4-FFF2-40B4-BE49-F238E27FC236}">
-                <a16:creationId xmlns:a16="http://schemas.microsoft.com/office/drawing/2014/main" id="{F612B9AD-A0CD-A638-CAAC-05273D62533D}"/>
+                <a16:creationId xmlns:a16="http://schemas.microsoft.com/office/drawing/2014/main" id="{BA6291CB-64FA-3136-5152-0642D5CC8920}"/>
               </a:ext>
             </a:extLst>
           </p:cNvPr>
@@ -1450,7 +1450,7 @@
           <a:bodyPr/>
           <a:lstStyle/>
           <a:p>
-            <a:fld id="{97AF6D12-0BA0-4F1F-9A5C-2A74BF05D0CC}" type="slidenum">
+            <a:fld id="{CD1DA33C-099E-4D2E-941E-11E67E06EB1A}" type="slidenum">
               <a:rPr lang="zh-CN" altLang="en-US" smtClean="0"/>
               <a:t>‹#›</a:t>
             </a:fld>
@@ -1461,7 +1461,7 @@
     </p:spTree>
     <p:extLst>
       <p:ext uri="{BB962C8B-B14F-4D97-AF65-F5344CB8AC3E}">
-        <p14:creationId xmlns:p14="http://schemas.microsoft.com/office/powerpoint/2010/main" val="3494351182"/>
+        <p14:creationId xmlns:p14="http://schemas.microsoft.com/office/powerpoint/2010/main" val="3907132866"/>
       </p:ext>
     </p:extLst>
   </p:cSld>
@@ -1493,7 +1493,7 @@
           <p:cNvPr id="2" name="标题 1">
             <a:extLst>
               <a:ext uri="{FF2B5EF4-FFF2-40B4-BE49-F238E27FC236}">
-                <a16:creationId xmlns:a16="http://schemas.microsoft.com/office/drawing/2014/main" id="{12F6B334-B919-407A-E173-A7DE16979ADB}"/>
+                <a16:creationId xmlns:a16="http://schemas.microsoft.com/office/drawing/2014/main" id="{2B0BC652-608A-5E0E-3CDB-4AB19698FD16}"/>
               </a:ext>
             </a:extLst>
           </p:cNvPr>
@@ -1526,7 +1526,7 @@
           <p:cNvPr id="3" name="文本占位符 2">
             <a:extLst>
               <a:ext uri="{FF2B5EF4-FFF2-40B4-BE49-F238E27FC236}">
-                <a16:creationId xmlns:a16="http://schemas.microsoft.com/office/drawing/2014/main" id="{AE6FC512-8CE0-9C62-DF90-2DDD2EBDAA61}"/>
+                <a16:creationId xmlns:a16="http://schemas.microsoft.com/office/drawing/2014/main" id="{CBE7F147-654D-7832-05A2-A2F0CECEB65A}"/>
               </a:ext>
             </a:extLst>
           </p:cNvPr>
@@ -1597,7 +1597,7 @@
           <p:cNvPr id="4" name="内容占位符 3">
             <a:extLst>
               <a:ext uri="{FF2B5EF4-FFF2-40B4-BE49-F238E27FC236}">
-                <a16:creationId xmlns:a16="http://schemas.microsoft.com/office/drawing/2014/main" id="{CBFA6480-4AE4-8FB8-F633-02F739E03071}"/>
+                <a16:creationId xmlns:a16="http://schemas.microsoft.com/office/drawing/2014/main" id="{24CE6629-0A05-DFB0-0ED1-DBCDBBDD5A8D}"/>
               </a:ext>
             </a:extLst>
           </p:cNvPr>
@@ -1659,7 +1659,7 @@
           <p:cNvPr id="5" name="文本占位符 4">
             <a:extLst>
               <a:ext uri="{FF2B5EF4-FFF2-40B4-BE49-F238E27FC236}">
-                <a16:creationId xmlns:a16="http://schemas.microsoft.com/office/drawing/2014/main" id="{BBE4306E-E9E7-7ED8-C0CF-63AA8E993F0B}"/>
+                <a16:creationId xmlns:a16="http://schemas.microsoft.com/office/drawing/2014/main" id="{4D949C9E-1D61-7AAD-2310-E8FD50C79386}"/>
               </a:ext>
             </a:extLst>
           </p:cNvPr>
@@ -1730,7 +1730,7 @@
           <p:cNvPr id="6" name="内容占位符 5">
             <a:extLst>
               <a:ext uri="{FF2B5EF4-FFF2-40B4-BE49-F238E27FC236}">
-                <a16:creationId xmlns:a16="http://schemas.microsoft.com/office/drawing/2014/main" id="{6ACB36DB-5675-B8F0-3FD2-7199D729A5B5}"/>
+                <a16:creationId xmlns:a16="http://schemas.microsoft.com/office/drawing/2014/main" id="{1AAABA20-0E63-77BD-4C62-665B9C12BA13}"/>
               </a:ext>
             </a:extLst>
           </p:cNvPr>
@@ -1792,7 +1792,7 @@
           <p:cNvPr id="7" name="日期占位符 6">
             <a:extLst>
               <a:ext uri="{FF2B5EF4-FFF2-40B4-BE49-F238E27FC236}">
-                <a16:creationId xmlns:a16="http://schemas.microsoft.com/office/drawing/2014/main" id="{37C9958C-1B89-0548-6CBE-CECB48C59B58}"/>
+                <a16:creationId xmlns:a16="http://schemas.microsoft.com/office/drawing/2014/main" id="{7DABAFF1-7D96-4220-6DD1-BD35982FE840}"/>
               </a:ext>
             </a:extLst>
           </p:cNvPr>
@@ -1808,7 +1808,7 @@
           <a:bodyPr/>
           <a:lstStyle/>
           <a:p>
-            <a:fld id="{0D0F0EA8-78D6-47C5-8AF2-38A7C576F273}" type="datetimeFigureOut">
+            <a:fld id="{4EFCC95B-4DD9-4D08-8B5C-C3A54C518323}" type="datetimeFigureOut">
               <a:rPr lang="zh-CN" altLang="en-US" smtClean="0"/>
               <a:t>2024/3/10</a:t>
             </a:fld>
@@ -1821,7 +1821,7 @@
           <p:cNvPr id="8" name="页脚占位符 7">
             <a:extLst>
               <a:ext uri="{FF2B5EF4-FFF2-40B4-BE49-F238E27FC236}">
-                <a16:creationId xmlns:a16="http://schemas.microsoft.com/office/drawing/2014/main" id="{611AFE5D-9F3F-B46A-6421-57257DC36D36}"/>
+                <a16:creationId xmlns:a16="http://schemas.microsoft.com/office/drawing/2014/main" id="{C9CD207F-74D8-7EC3-3D53-7ACBEB0365AD}"/>
               </a:ext>
             </a:extLst>
           </p:cNvPr>
@@ -1846,7 +1846,7 @@
           <p:cNvPr id="9" name="灯片编号占位符 8">
             <a:extLst>
               <a:ext uri="{FF2B5EF4-FFF2-40B4-BE49-F238E27FC236}">
-                <a16:creationId xmlns:a16="http://schemas.microsoft.com/office/drawing/2014/main" id="{26B364E6-1A87-2549-3499-C29E54F33C9C}"/>
+                <a16:creationId xmlns:a16="http://schemas.microsoft.com/office/drawing/2014/main" id="{9B7AB5C9-B7F7-6D7C-D1DC-0230056FF415}"/>
               </a:ext>
             </a:extLst>
           </p:cNvPr>
@@ -1862,7 +1862,7 @@
           <a:bodyPr/>
           <a:lstStyle/>
           <a:p>
-            <a:fld id="{97AF6D12-0BA0-4F1F-9A5C-2A74BF05D0CC}" type="slidenum">
+            <a:fld id="{CD1DA33C-099E-4D2E-941E-11E67E06EB1A}" type="slidenum">
               <a:rPr lang="zh-CN" altLang="en-US" smtClean="0"/>
               <a:t>‹#›</a:t>
             </a:fld>
@@ -1873,7 +1873,7 @@
     </p:spTree>
     <p:extLst>
       <p:ext uri="{BB962C8B-B14F-4D97-AF65-F5344CB8AC3E}">
-        <p14:creationId xmlns:p14="http://schemas.microsoft.com/office/powerpoint/2010/main" val="1906841016"/>
+        <p14:creationId xmlns:p14="http://schemas.microsoft.com/office/powerpoint/2010/main" val="2988638147"/>
       </p:ext>
     </p:extLst>
   </p:cSld>
@@ -1905,7 +1905,7 @@
           <p:cNvPr id="2" name="标题 1">
             <a:extLst>
               <a:ext uri="{FF2B5EF4-FFF2-40B4-BE49-F238E27FC236}">
-                <a16:creationId xmlns:a16="http://schemas.microsoft.com/office/drawing/2014/main" id="{3B737253-9AFD-433F-ECA5-B0ACF80B8A63}"/>
+                <a16:creationId xmlns:a16="http://schemas.microsoft.com/office/drawing/2014/main" id="{953E1005-C85F-4094-E7E7-AA23310330CF}"/>
               </a:ext>
             </a:extLst>
           </p:cNvPr>
@@ -1933,7 +1933,7 @@
           <p:cNvPr id="3" name="日期占位符 2">
             <a:extLst>
               <a:ext uri="{FF2B5EF4-FFF2-40B4-BE49-F238E27FC236}">
-                <a16:creationId xmlns:a16="http://schemas.microsoft.com/office/drawing/2014/main" id="{3B9F9A88-5708-625A-1AC1-875C2B2258F4}"/>
+                <a16:creationId xmlns:a16="http://schemas.microsoft.com/office/drawing/2014/main" id="{B2577C4C-24BF-137B-E5E6-AFC024A9A69C}"/>
               </a:ext>
             </a:extLst>
           </p:cNvPr>
@@ -1949,7 +1949,7 @@
           <a:bodyPr/>
           <a:lstStyle/>
           <a:p>
-            <a:fld id="{0D0F0EA8-78D6-47C5-8AF2-38A7C576F273}" type="datetimeFigureOut">
+            <a:fld id="{4EFCC95B-4DD9-4D08-8B5C-C3A54C518323}" type="datetimeFigureOut">
               <a:rPr lang="zh-CN" altLang="en-US" smtClean="0"/>
               <a:t>2024/3/10</a:t>
             </a:fld>
@@ -1962,7 +1962,7 @@
           <p:cNvPr id="4" name="页脚占位符 3">
             <a:extLst>
               <a:ext uri="{FF2B5EF4-FFF2-40B4-BE49-F238E27FC236}">
-                <a16:creationId xmlns:a16="http://schemas.microsoft.com/office/drawing/2014/main" id="{27769CFF-8C8D-5A62-F23F-09ED316DA045}"/>
+                <a16:creationId xmlns:a16="http://schemas.microsoft.com/office/drawing/2014/main" id="{45B467CC-27A1-A7A2-6623-8F02E8EBBB9E}"/>
               </a:ext>
             </a:extLst>
           </p:cNvPr>
@@ -1987,7 +1987,7 @@
           <p:cNvPr id="5" name="灯片编号占位符 4">
             <a:extLst>
               <a:ext uri="{FF2B5EF4-FFF2-40B4-BE49-F238E27FC236}">
-                <a16:creationId xmlns:a16="http://schemas.microsoft.com/office/drawing/2014/main" id="{8201A8B2-638F-52A6-402A-91EB570E1A3E}"/>
+                <a16:creationId xmlns:a16="http://schemas.microsoft.com/office/drawing/2014/main" id="{5AB9D6B5-2E68-7ED2-BF34-D891C52F55B6}"/>
               </a:ext>
             </a:extLst>
           </p:cNvPr>
@@ -2003,7 +2003,7 @@
           <a:bodyPr/>
           <a:lstStyle/>
           <a:p>
-            <a:fld id="{97AF6D12-0BA0-4F1F-9A5C-2A74BF05D0CC}" type="slidenum">
+            <a:fld id="{CD1DA33C-099E-4D2E-941E-11E67E06EB1A}" type="slidenum">
               <a:rPr lang="zh-CN" altLang="en-US" smtClean="0"/>
               <a:t>‹#›</a:t>
             </a:fld>
@@ -2014,7 +2014,7 @@
     </p:spTree>
     <p:extLst>
       <p:ext uri="{BB962C8B-B14F-4D97-AF65-F5344CB8AC3E}">
-        <p14:creationId xmlns:p14="http://schemas.microsoft.com/office/powerpoint/2010/main" val="767408077"/>
+        <p14:creationId xmlns:p14="http://schemas.microsoft.com/office/powerpoint/2010/main" val="242561821"/>
       </p:ext>
     </p:extLst>
   </p:cSld>
@@ -2046,7 +2046,7 @@
           <p:cNvPr id="2" name="日期占位符 1">
             <a:extLst>
               <a:ext uri="{FF2B5EF4-FFF2-40B4-BE49-F238E27FC236}">
-                <a16:creationId xmlns:a16="http://schemas.microsoft.com/office/drawing/2014/main" id="{CF98B77B-6EC9-1CCD-767E-7BD02439D4C9}"/>
+                <a16:creationId xmlns:a16="http://schemas.microsoft.com/office/drawing/2014/main" id="{5B063878-27D0-C6B3-5879-9AA034C26CF6}"/>
               </a:ext>
             </a:extLst>
           </p:cNvPr>
@@ -2062,7 +2062,7 @@
           <a:bodyPr/>
           <a:lstStyle/>
           <a:p>
-            <a:fld id="{0D0F0EA8-78D6-47C5-8AF2-38A7C576F273}" type="datetimeFigureOut">
+            <a:fld id="{4EFCC95B-4DD9-4D08-8B5C-C3A54C518323}" type="datetimeFigureOut">
               <a:rPr lang="zh-CN" altLang="en-US" smtClean="0"/>
               <a:t>2024/3/10</a:t>
             </a:fld>
@@ -2075,7 +2075,7 @@
           <p:cNvPr id="3" name="页脚占位符 2">
             <a:extLst>
               <a:ext uri="{FF2B5EF4-FFF2-40B4-BE49-F238E27FC236}">
-                <a16:creationId xmlns:a16="http://schemas.microsoft.com/office/drawing/2014/main" id="{60A98F0E-AE49-A152-5CF2-6CF226E2726A}"/>
+                <a16:creationId xmlns:a16="http://schemas.microsoft.com/office/drawing/2014/main" id="{394681AA-2D3C-27BC-B977-017D2F20AA4C}"/>
               </a:ext>
             </a:extLst>
           </p:cNvPr>
@@ -2100,7 +2100,7 @@
           <p:cNvPr id="4" name="灯片编号占位符 3">
             <a:extLst>
               <a:ext uri="{FF2B5EF4-FFF2-40B4-BE49-F238E27FC236}">
-                <a16:creationId xmlns:a16="http://schemas.microsoft.com/office/drawing/2014/main" id="{63F4A0D4-16A5-D048-8D33-76D982F39C39}"/>
+                <a16:creationId xmlns:a16="http://schemas.microsoft.com/office/drawing/2014/main" id="{9A8BA783-71F7-6222-4D2D-466468E84ABF}"/>
               </a:ext>
             </a:extLst>
           </p:cNvPr>
@@ -2116,7 +2116,7 @@
           <a:bodyPr/>
           <a:lstStyle/>
           <a:p>
-            <a:fld id="{97AF6D12-0BA0-4F1F-9A5C-2A74BF05D0CC}" type="slidenum">
+            <a:fld id="{CD1DA33C-099E-4D2E-941E-11E67E06EB1A}" type="slidenum">
               <a:rPr lang="zh-CN" altLang="en-US" smtClean="0"/>
               <a:t>‹#›</a:t>
             </a:fld>
@@ -2127,7 +2127,7 @@
     </p:spTree>
     <p:extLst>
       <p:ext uri="{BB962C8B-B14F-4D97-AF65-F5344CB8AC3E}">
-        <p14:creationId xmlns:p14="http://schemas.microsoft.com/office/powerpoint/2010/main" val="3843103994"/>
+        <p14:creationId xmlns:p14="http://schemas.microsoft.com/office/powerpoint/2010/main" val="1396564984"/>
       </p:ext>
     </p:extLst>
   </p:cSld>
@@ -2159,7 +2159,7 @@
           <p:cNvPr id="2" name="标题 1">
             <a:extLst>
               <a:ext uri="{FF2B5EF4-FFF2-40B4-BE49-F238E27FC236}">
-                <a16:creationId xmlns:a16="http://schemas.microsoft.com/office/drawing/2014/main" id="{84CBCF23-9CC7-4EC8-EEBF-51240F3885AE}"/>
+                <a16:creationId xmlns:a16="http://schemas.microsoft.com/office/drawing/2014/main" id="{6B9D7F01-DAA3-31B6-EDB4-F3E28E0A998C}"/>
               </a:ext>
             </a:extLst>
           </p:cNvPr>
@@ -2196,7 +2196,7 @@
           <p:cNvPr id="3" name="内容占位符 2">
             <a:extLst>
               <a:ext uri="{FF2B5EF4-FFF2-40B4-BE49-F238E27FC236}">
-                <a16:creationId xmlns:a16="http://schemas.microsoft.com/office/drawing/2014/main" id="{1AD4F6F2-FF74-24EA-EDA2-7444E3CA0FE2}"/>
+                <a16:creationId xmlns:a16="http://schemas.microsoft.com/office/drawing/2014/main" id="{BAFA25FD-F860-ACB1-1973-131DC04435D6}"/>
               </a:ext>
             </a:extLst>
           </p:cNvPr>
@@ -2286,7 +2286,7 @@
           <p:cNvPr id="4" name="文本占位符 3">
             <a:extLst>
               <a:ext uri="{FF2B5EF4-FFF2-40B4-BE49-F238E27FC236}">
-                <a16:creationId xmlns:a16="http://schemas.microsoft.com/office/drawing/2014/main" id="{41F42205-A27D-C26C-588C-65CC8E5FD997}"/>
+                <a16:creationId xmlns:a16="http://schemas.microsoft.com/office/drawing/2014/main" id="{45FA0EFE-1DF0-E1A6-68B6-B80D1D8E2115}"/>
               </a:ext>
             </a:extLst>
           </p:cNvPr>
@@ -2357,7 +2357,7 @@
           <p:cNvPr id="5" name="日期占位符 4">
             <a:extLst>
               <a:ext uri="{FF2B5EF4-FFF2-40B4-BE49-F238E27FC236}">
-                <a16:creationId xmlns:a16="http://schemas.microsoft.com/office/drawing/2014/main" id="{B34BA37A-19A9-C1FD-AA91-9ABB02358745}"/>
+                <a16:creationId xmlns:a16="http://schemas.microsoft.com/office/drawing/2014/main" id="{D2BEEB14-651C-E239-C6C6-A68A63DC6E24}"/>
               </a:ext>
             </a:extLst>
           </p:cNvPr>
@@ -2373,7 +2373,7 @@
           <a:bodyPr/>
           <a:lstStyle/>
           <a:p>
-            <a:fld id="{0D0F0EA8-78D6-47C5-8AF2-38A7C576F273}" type="datetimeFigureOut">
+            <a:fld id="{4EFCC95B-4DD9-4D08-8B5C-C3A54C518323}" type="datetimeFigureOut">
               <a:rPr lang="zh-CN" altLang="en-US" smtClean="0"/>
               <a:t>2024/3/10</a:t>
             </a:fld>
@@ -2386,7 +2386,7 @@
           <p:cNvPr id="6" name="页脚占位符 5">
             <a:extLst>
               <a:ext uri="{FF2B5EF4-FFF2-40B4-BE49-F238E27FC236}">
-                <a16:creationId xmlns:a16="http://schemas.microsoft.com/office/drawing/2014/main" id="{124F6C46-7961-A5D1-EA73-BB645EE9A720}"/>
+                <a16:creationId xmlns:a16="http://schemas.microsoft.com/office/drawing/2014/main" id="{315A2C2E-327A-9A81-938B-F69776D4043F}"/>
               </a:ext>
             </a:extLst>
           </p:cNvPr>
@@ -2411,7 +2411,7 @@
           <p:cNvPr id="7" name="灯片编号占位符 6">
             <a:extLst>
               <a:ext uri="{FF2B5EF4-FFF2-40B4-BE49-F238E27FC236}">
-                <a16:creationId xmlns:a16="http://schemas.microsoft.com/office/drawing/2014/main" id="{B4C97361-5B35-4DB1-1FD7-10F5435711CA}"/>
+                <a16:creationId xmlns:a16="http://schemas.microsoft.com/office/drawing/2014/main" id="{C5F2182F-67D3-4B35-23C9-D638C3D339D8}"/>
               </a:ext>
             </a:extLst>
           </p:cNvPr>
@@ -2427,7 +2427,7 @@
           <a:bodyPr/>
           <a:lstStyle/>
           <a:p>
-            <a:fld id="{97AF6D12-0BA0-4F1F-9A5C-2A74BF05D0CC}" type="slidenum">
+            <a:fld id="{CD1DA33C-099E-4D2E-941E-11E67E06EB1A}" type="slidenum">
               <a:rPr lang="zh-CN" altLang="en-US" smtClean="0"/>
               <a:t>‹#›</a:t>
             </a:fld>
@@ -2438,7 +2438,7 @@
     </p:spTree>
     <p:extLst>
       <p:ext uri="{BB962C8B-B14F-4D97-AF65-F5344CB8AC3E}">
-        <p14:creationId xmlns:p14="http://schemas.microsoft.com/office/powerpoint/2010/main" val="1898021322"/>
+        <p14:creationId xmlns:p14="http://schemas.microsoft.com/office/powerpoint/2010/main" val="4245768047"/>
       </p:ext>
     </p:extLst>
   </p:cSld>
@@ -2470,7 +2470,7 @@
           <p:cNvPr id="2" name="标题 1">
             <a:extLst>
               <a:ext uri="{FF2B5EF4-FFF2-40B4-BE49-F238E27FC236}">
-                <a16:creationId xmlns:a16="http://schemas.microsoft.com/office/drawing/2014/main" id="{39CAFEC6-3AD3-9DAF-259B-8D0DBDE2A3C1}"/>
+                <a16:creationId xmlns:a16="http://schemas.microsoft.com/office/drawing/2014/main" id="{252318D8-FC88-7A9B-3290-533EE9F39719}"/>
               </a:ext>
             </a:extLst>
           </p:cNvPr>
@@ -2507,7 +2507,7 @@
           <p:cNvPr id="3" name="图片占位符 2">
             <a:extLst>
               <a:ext uri="{FF2B5EF4-FFF2-40B4-BE49-F238E27FC236}">
-                <a16:creationId xmlns:a16="http://schemas.microsoft.com/office/drawing/2014/main" id="{83AD4A09-47EC-7CE8-C732-E6C2E20164CF}"/>
+                <a16:creationId xmlns:a16="http://schemas.microsoft.com/office/drawing/2014/main" id="{30A43BDA-D1DB-BEDF-14E7-376545A80D50}"/>
               </a:ext>
             </a:extLst>
           </p:cNvPr>
@@ -2574,7 +2574,7 @@
           <p:cNvPr id="4" name="文本占位符 3">
             <a:extLst>
               <a:ext uri="{FF2B5EF4-FFF2-40B4-BE49-F238E27FC236}">
-                <a16:creationId xmlns:a16="http://schemas.microsoft.com/office/drawing/2014/main" id="{423F9CC4-7DC1-1F3A-D90C-651CC8C7AAAF}"/>
+                <a16:creationId xmlns:a16="http://schemas.microsoft.com/office/drawing/2014/main" id="{356C7E36-CA93-A1AD-35BB-42AF7C68CF7D}"/>
               </a:ext>
             </a:extLst>
           </p:cNvPr>
@@ -2645,7 +2645,7 @@
           <p:cNvPr id="5" name="日期占位符 4">
             <a:extLst>
               <a:ext uri="{FF2B5EF4-FFF2-40B4-BE49-F238E27FC236}">
-                <a16:creationId xmlns:a16="http://schemas.microsoft.com/office/drawing/2014/main" id="{C9601C11-9D91-A703-0290-DB00B80A049F}"/>
+                <a16:creationId xmlns:a16="http://schemas.microsoft.com/office/drawing/2014/main" id="{26C7351F-82B5-A3CC-617D-6F8F31E9FE3A}"/>
               </a:ext>
             </a:extLst>
           </p:cNvPr>
@@ -2661,7 +2661,7 @@
           <a:bodyPr/>
           <a:lstStyle/>
           <a:p>
-            <a:fld id="{0D0F0EA8-78D6-47C5-8AF2-38A7C576F273}" type="datetimeFigureOut">
+            <a:fld id="{4EFCC95B-4DD9-4D08-8B5C-C3A54C518323}" type="datetimeFigureOut">
               <a:rPr lang="zh-CN" altLang="en-US" smtClean="0"/>
               <a:t>2024/3/10</a:t>
             </a:fld>
@@ -2674,7 +2674,7 @@
           <p:cNvPr id="6" name="页脚占位符 5">
             <a:extLst>
               <a:ext uri="{FF2B5EF4-FFF2-40B4-BE49-F238E27FC236}">
-                <a16:creationId xmlns:a16="http://schemas.microsoft.com/office/drawing/2014/main" id="{2250C7C1-61DF-A508-5D20-18E178636C30}"/>
+                <a16:creationId xmlns:a16="http://schemas.microsoft.com/office/drawing/2014/main" id="{B6B650DE-7304-0319-3CFD-0F034E20D528}"/>
               </a:ext>
             </a:extLst>
           </p:cNvPr>
@@ -2699,7 +2699,7 @@
           <p:cNvPr id="7" name="灯片编号占位符 6">
             <a:extLst>
               <a:ext uri="{FF2B5EF4-FFF2-40B4-BE49-F238E27FC236}">
-                <a16:creationId xmlns:a16="http://schemas.microsoft.com/office/drawing/2014/main" id="{4C368438-F7BB-FA90-A86F-65958E1377EA}"/>
+                <a16:creationId xmlns:a16="http://schemas.microsoft.com/office/drawing/2014/main" id="{58685FA6-24B3-D5E0-A72E-5BD18DCEBA66}"/>
               </a:ext>
             </a:extLst>
           </p:cNvPr>
@@ -2715,7 +2715,7 @@
           <a:bodyPr/>
           <a:lstStyle/>
           <a:p>
-            <a:fld id="{97AF6D12-0BA0-4F1F-9A5C-2A74BF05D0CC}" type="slidenum">
+            <a:fld id="{CD1DA33C-099E-4D2E-941E-11E67E06EB1A}" type="slidenum">
               <a:rPr lang="zh-CN" altLang="en-US" smtClean="0"/>
               <a:t>‹#›</a:t>
             </a:fld>
@@ -2726,7 +2726,7 @@
     </p:spTree>
     <p:extLst>
       <p:ext uri="{BB962C8B-B14F-4D97-AF65-F5344CB8AC3E}">
-        <p14:creationId xmlns:p14="http://schemas.microsoft.com/office/powerpoint/2010/main" val="3957568616"/>
+        <p14:creationId xmlns:p14="http://schemas.microsoft.com/office/powerpoint/2010/main" val="2846505497"/>
       </p:ext>
     </p:extLst>
   </p:cSld>
@@ -2763,7 +2763,7 @@
           <p:cNvPr id="2" name="标题占位符 1">
             <a:extLst>
               <a:ext uri="{FF2B5EF4-FFF2-40B4-BE49-F238E27FC236}">
-                <a16:creationId xmlns:a16="http://schemas.microsoft.com/office/drawing/2014/main" id="{C0F5184B-95EE-7794-3BCA-3C1BEE0F12EB}"/>
+                <a16:creationId xmlns:a16="http://schemas.microsoft.com/office/drawing/2014/main" id="{F0854471-5910-B5C0-5583-7F76A50471FB}"/>
               </a:ext>
             </a:extLst>
           </p:cNvPr>
@@ -2801,7 +2801,7 @@
           <p:cNvPr id="3" name="文本占位符 2">
             <a:extLst>
               <a:ext uri="{FF2B5EF4-FFF2-40B4-BE49-F238E27FC236}">
-                <a16:creationId xmlns:a16="http://schemas.microsoft.com/office/drawing/2014/main" id="{F8C05A63-3609-BF46-D019-E30B252EAB8D}"/>
+                <a16:creationId xmlns:a16="http://schemas.microsoft.com/office/drawing/2014/main" id="{E3BCA406-6608-DFCD-47A7-0EF68C513201}"/>
               </a:ext>
             </a:extLst>
           </p:cNvPr>
@@ -2868,7 +2868,7 @@
           <p:cNvPr id="4" name="日期占位符 3">
             <a:extLst>
               <a:ext uri="{FF2B5EF4-FFF2-40B4-BE49-F238E27FC236}">
-                <a16:creationId xmlns:a16="http://schemas.microsoft.com/office/drawing/2014/main" id="{5DABEA50-F5EE-D6BB-72E3-DCF684C51BE9}"/>
+                <a16:creationId xmlns:a16="http://schemas.microsoft.com/office/drawing/2014/main" id="{2C1AE622-FD34-35D7-FF43-7C2BD070CBF6}"/>
               </a:ext>
             </a:extLst>
           </p:cNvPr>
@@ -2902,7 +2902,7 @@
             </a:lvl1pPr>
           </a:lstStyle>
           <a:p>
-            <a:fld id="{0D0F0EA8-78D6-47C5-8AF2-38A7C576F273}" type="datetimeFigureOut">
+            <a:fld id="{4EFCC95B-4DD9-4D08-8B5C-C3A54C518323}" type="datetimeFigureOut">
               <a:rPr lang="zh-CN" altLang="en-US" smtClean="0"/>
               <a:t>2024/3/10</a:t>
             </a:fld>
@@ -2915,7 +2915,7 @@
           <p:cNvPr id="5" name="页脚占位符 4">
             <a:extLst>
               <a:ext uri="{FF2B5EF4-FFF2-40B4-BE49-F238E27FC236}">
-                <a16:creationId xmlns:a16="http://schemas.microsoft.com/office/drawing/2014/main" id="{04F57331-D92B-D264-B4C1-D2CF1953E4EE}"/>
+                <a16:creationId xmlns:a16="http://schemas.microsoft.com/office/drawing/2014/main" id="{191D7D83-5241-1AB6-D73C-820C81234934}"/>
               </a:ext>
             </a:extLst>
           </p:cNvPr>
@@ -2958,7 +2958,7 @@
           <p:cNvPr id="6" name="灯片编号占位符 5">
             <a:extLst>
               <a:ext uri="{FF2B5EF4-FFF2-40B4-BE49-F238E27FC236}">
-                <a16:creationId xmlns:a16="http://schemas.microsoft.com/office/drawing/2014/main" id="{4BD07AEB-5EB6-0325-B58B-8319FA7E7682}"/>
+                <a16:creationId xmlns:a16="http://schemas.microsoft.com/office/drawing/2014/main" id="{31850D18-4259-59ED-7680-074E43EA69A0}"/>
               </a:ext>
             </a:extLst>
           </p:cNvPr>
@@ -2992,7 +2992,7 @@
             </a:lvl1pPr>
           </a:lstStyle>
           <a:p>
-            <a:fld id="{97AF6D12-0BA0-4F1F-9A5C-2A74BF05D0CC}" type="slidenum">
+            <a:fld id="{CD1DA33C-099E-4D2E-941E-11E67E06EB1A}" type="slidenum">
               <a:rPr lang="zh-CN" altLang="en-US" smtClean="0"/>
               <a:t>‹#›</a:t>
             </a:fld>
@@ -3003,7 +3003,7 @@
     </p:spTree>
     <p:extLst>
       <p:ext uri="{BB962C8B-B14F-4D97-AF65-F5344CB8AC3E}">
-        <p14:creationId xmlns:p14="http://schemas.microsoft.com/office/powerpoint/2010/main" val="724861891"/>
+        <p14:creationId xmlns:p14="http://schemas.microsoft.com/office/powerpoint/2010/main" val="992923846"/>
       </p:ext>
     </p:extLst>
   </p:cSld>
